--- a/Project3.pptx
+++ b/Project3.pptx
@@ -7416,19 +7416,27 @@
               <a:t>Predicting </a:t>
             </a:r>
             <a:br>
-              <a:rPr lang="en-US" dirty="0">
+              <a:rPr lang="en-US">
                 <a:solidFill>
                   <a:srgbClr val="FFFFFF"/>
                 </a:solidFill>
               </a:rPr>
             </a:br>
             <a:r>
+              <a:rPr lang="en-US">
+                <a:solidFill>
+                  <a:srgbClr val="FFFFFF"/>
+                </a:solidFill>
+              </a:rPr>
+              <a:t>Water Point </a:t>
+            </a:r>
+            <a:r>
               <a:rPr lang="en-US" dirty="0">
                 <a:solidFill>
                   <a:srgbClr val="FFFFFF"/>
                 </a:solidFill>
               </a:rPr>
-              <a:t>Waterpoint Functionality</a:t>
+              <a:t>Functionality</a:t>
             </a:r>
             <a:br>
               <a:rPr lang="en-US" dirty="0">
